--- a/Organisatorisches/Projektzwischenstand 2.2.2024.pptx
+++ b/Organisatorisches/Projektzwischenstand 2.2.2024.pptx
@@ -269,7 +269,7 @@
           <a:p>
             <a:fld id="{85EF4E8F-955E-4703-83F4-8B55B5FD2774}" type="datetimeFigureOut">
               <a:rPr lang="de-AT" smtClean="0"/>
-              <a:t>02.02.2024</a:t>
+              <a:t>21.02.2024</a:t>
             </a:fld>
             <a:endParaRPr lang="de-AT"/>
           </a:p>
@@ -469,7 +469,7 @@
           <a:p>
             <a:fld id="{85EF4E8F-955E-4703-83F4-8B55B5FD2774}" type="datetimeFigureOut">
               <a:rPr lang="de-AT" smtClean="0"/>
-              <a:t>02.02.2024</a:t>
+              <a:t>21.02.2024</a:t>
             </a:fld>
             <a:endParaRPr lang="de-AT"/>
           </a:p>
@@ -679,7 +679,7 @@
           <a:p>
             <a:fld id="{85EF4E8F-955E-4703-83F4-8B55B5FD2774}" type="datetimeFigureOut">
               <a:rPr lang="de-AT" smtClean="0"/>
-              <a:t>02.02.2024</a:t>
+              <a:t>21.02.2024</a:t>
             </a:fld>
             <a:endParaRPr lang="de-AT"/>
           </a:p>
@@ -879,7 +879,7 @@
           <a:p>
             <a:fld id="{85EF4E8F-955E-4703-83F4-8B55B5FD2774}" type="datetimeFigureOut">
               <a:rPr lang="de-AT" smtClean="0"/>
-              <a:t>02.02.2024</a:t>
+              <a:t>21.02.2024</a:t>
             </a:fld>
             <a:endParaRPr lang="de-AT"/>
           </a:p>
@@ -1155,7 +1155,7 @@
           <a:p>
             <a:fld id="{85EF4E8F-955E-4703-83F4-8B55B5FD2774}" type="datetimeFigureOut">
               <a:rPr lang="de-AT" smtClean="0"/>
-              <a:t>02.02.2024</a:t>
+              <a:t>21.02.2024</a:t>
             </a:fld>
             <a:endParaRPr lang="de-AT"/>
           </a:p>
@@ -1423,7 +1423,7 @@
           <a:p>
             <a:fld id="{85EF4E8F-955E-4703-83F4-8B55B5FD2774}" type="datetimeFigureOut">
               <a:rPr lang="de-AT" smtClean="0"/>
-              <a:t>02.02.2024</a:t>
+              <a:t>21.02.2024</a:t>
             </a:fld>
             <a:endParaRPr lang="de-AT"/>
           </a:p>
@@ -1838,7 +1838,7 @@
           <a:p>
             <a:fld id="{85EF4E8F-955E-4703-83F4-8B55B5FD2774}" type="datetimeFigureOut">
               <a:rPr lang="de-AT" smtClean="0"/>
-              <a:t>02.02.2024</a:t>
+              <a:t>21.02.2024</a:t>
             </a:fld>
             <a:endParaRPr lang="de-AT"/>
           </a:p>
@@ -1980,7 +1980,7 @@
           <a:p>
             <a:fld id="{85EF4E8F-955E-4703-83F4-8B55B5FD2774}" type="datetimeFigureOut">
               <a:rPr lang="de-AT" smtClean="0"/>
-              <a:t>02.02.2024</a:t>
+              <a:t>21.02.2024</a:t>
             </a:fld>
             <a:endParaRPr lang="de-AT"/>
           </a:p>
@@ -2093,7 +2093,7 @@
           <a:p>
             <a:fld id="{85EF4E8F-955E-4703-83F4-8B55B5FD2774}" type="datetimeFigureOut">
               <a:rPr lang="de-AT" smtClean="0"/>
-              <a:t>02.02.2024</a:t>
+              <a:t>21.02.2024</a:t>
             </a:fld>
             <a:endParaRPr lang="de-AT"/>
           </a:p>
@@ -2406,7 +2406,7 @@
           <a:p>
             <a:fld id="{85EF4E8F-955E-4703-83F4-8B55B5FD2774}" type="datetimeFigureOut">
               <a:rPr lang="de-AT" smtClean="0"/>
-              <a:t>02.02.2024</a:t>
+              <a:t>21.02.2024</a:t>
             </a:fld>
             <a:endParaRPr lang="de-AT"/>
           </a:p>
@@ -2695,7 +2695,7 @@
           <a:p>
             <a:fld id="{85EF4E8F-955E-4703-83F4-8B55B5FD2774}" type="datetimeFigureOut">
               <a:rPr lang="de-AT" smtClean="0"/>
-              <a:t>02.02.2024</a:t>
+              <a:t>21.02.2024</a:t>
             </a:fld>
             <a:endParaRPr lang="de-AT"/>
           </a:p>
@@ -2938,7 +2938,7 @@
           <a:p>
             <a:fld id="{85EF4E8F-955E-4703-83F4-8B55B5FD2774}" type="datetimeFigureOut">
               <a:rPr lang="de-AT" smtClean="0"/>
-              <a:t>02.02.2024</a:t>
+              <a:t>21.02.2024</a:t>
             </a:fld>
             <a:endParaRPr lang="de-AT"/>
           </a:p>
@@ -3544,6 +3544,379 @@
   <p:clrMapOvr>
     <a:masterClrMapping/>
   </p:clrMapOvr>
+  <p:timing>
+    <p:tnLst>
+      <p:par>
+        <p:cTn id="1" dur="indefinite" restart="never" nodeType="tmRoot">
+          <p:childTnLst>
+            <p:seq concurrent="1" nextAc="seek">
+              <p:cTn id="2" dur="indefinite" nodeType="mainSeq">
+                <p:childTnLst>
+                  <p:par>
+                    <p:cTn id="3" fill="hold">
+                      <p:stCondLst>
+                        <p:cond delay="indefinite"/>
+                      </p:stCondLst>
+                      <p:childTnLst>
+                        <p:par>
+                          <p:cTn id="4" fill="hold">
+                            <p:stCondLst>
+                              <p:cond delay="0"/>
+                            </p:stCondLst>
+                            <p:childTnLst>
+                              <p:par>
+                                <p:cTn id="5" presetID="1" presetClass="entr" presetSubtype="0" fill="hold" nodeType="clickEffect">
+                                  <p:stCondLst>
+                                    <p:cond delay="0"/>
+                                  </p:stCondLst>
+                                  <p:childTnLst>
+                                    <p:set>
+                                      <p:cBhvr>
+                                        <p:cTn id="6" dur="1" fill="hold">
+                                          <p:stCondLst>
+                                            <p:cond delay="0"/>
+                                          </p:stCondLst>
+                                        </p:cTn>
+                                        <p:tgtEl>
+                                          <p:spTgt spid="3">
+                                            <p:txEl>
+                                              <p:pRg st="0" end="0"/>
+                                            </p:txEl>
+                                          </p:spTgt>
+                                        </p:tgtEl>
+                                        <p:attrNameLst>
+                                          <p:attrName>style.visibility</p:attrName>
+                                        </p:attrNameLst>
+                                      </p:cBhvr>
+                                      <p:to>
+                                        <p:strVal val="visible"/>
+                                      </p:to>
+                                    </p:set>
+                                  </p:childTnLst>
+                                </p:cTn>
+                              </p:par>
+                            </p:childTnLst>
+                          </p:cTn>
+                        </p:par>
+                      </p:childTnLst>
+                    </p:cTn>
+                  </p:par>
+                  <p:par>
+                    <p:cTn id="7" fill="hold">
+                      <p:stCondLst>
+                        <p:cond delay="indefinite"/>
+                      </p:stCondLst>
+                      <p:childTnLst>
+                        <p:par>
+                          <p:cTn id="8" fill="hold">
+                            <p:stCondLst>
+                              <p:cond delay="0"/>
+                            </p:stCondLst>
+                            <p:childTnLst>
+                              <p:par>
+                                <p:cTn id="9" presetID="1" presetClass="entr" presetSubtype="0" fill="hold" nodeType="clickEffect">
+                                  <p:stCondLst>
+                                    <p:cond delay="0"/>
+                                  </p:stCondLst>
+                                  <p:childTnLst>
+                                    <p:set>
+                                      <p:cBhvr>
+                                        <p:cTn id="10" dur="1" fill="hold">
+                                          <p:stCondLst>
+                                            <p:cond delay="0"/>
+                                          </p:stCondLst>
+                                        </p:cTn>
+                                        <p:tgtEl>
+                                          <p:spTgt spid="3">
+                                            <p:txEl>
+                                              <p:pRg st="1" end="1"/>
+                                            </p:txEl>
+                                          </p:spTgt>
+                                        </p:tgtEl>
+                                        <p:attrNameLst>
+                                          <p:attrName>style.visibility</p:attrName>
+                                        </p:attrNameLst>
+                                      </p:cBhvr>
+                                      <p:to>
+                                        <p:strVal val="visible"/>
+                                      </p:to>
+                                    </p:set>
+                                  </p:childTnLst>
+                                </p:cTn>
+                              </p:par>
+                            </p:childTnLst>
+                          </p:cTn>
+                        </p:par>
+                      </p:childTnLst>
+                    </p:cTn>
+                  </p:par>
+                  <p:par>
+                    <p:cTn id="11" fill="hold">
+                      <p:stCondLst>
+                        <p:cond delay="indefinite"/>
+                      </p:stCondLst>
+                      <p:childTnLst>
+                        <p:par>
+                          <p:cTn id="12" fill="hold">
+                            <p:stCondLst>
+                              <p:cond delay="0"/>
+                            </p:stCondLst>
+                            <p:childTnLst>
+                              <p:par>
+                                <p:cTn id="13" presetID="1" presetClass="entr" presetSubtype="0" fill="hold" nodeType="clickEffect">
+                                  <p:stCondLst>
+                                    <p:cond delay="0"/>
+                                  </p:stCondLst>
+                                  <p:childTnLst>
+                                    <p:set>
+                                      <p:cBhvr>
+                                        <p:cTn id="14" dur="1" fill="hold">
+                                          <p:stCondLst>
+                                            <p:cond delay="0"/>
+                                          </p:stCondLst>
+                                        </p:cTn>
+                                        <p:tgtEl>
+                                          <p:spTgt spid="3">
+                                            <p:txEl>
+                                              <p:pRg st="2" end="2"/>
+                                            </p:txEl>
+                                          </p:spTgt>
+                                        </p:tgtEl>
+                                        <p:attrNameLst>
+                                          <p:attrName>style.visibility</p:attrName>
+                                        </p:attrNameLst>
+                                      </p:cBhvr>
+                                      <p:to>
+                                        <p:strVal val="visible"/>
+                                      </p:to>
+                                    </p:set>
+                                  </p:childTnLst>
+                                </p:cTn>
+                              </p:par>
+                            </p:childTnLst>
+                          </p:cTn>
+                        </p:par>
+                      </p:childTnLst>
+                    </p:cTn>
+                  </p:par>
+                  <p:par>
+                    <p:cTn id="15" fill="hold">
+                      <p:stCondLst>
+                        <p:cond delay="indefinite"/>
+                      </p:stCondLst>
+                      <p:childTnLst>
+                        <p:par>
+                          <p:cTn id="16" fill="hold">
+                            <p:stCondLst>
+                              <p:cond delay="0"/>
+                            </p:stCondLst>
+                            <p:childTnLst>
+                              <p:par>
+                                <p:cTn id="17" presetID="1" presetClass="entr" presetSubtype="0" fill="hold" nodeType="clickEffect">
+                                  <p:stCondLst>
+                                    <p:cond delay="0"/>
+                                  </p:stCondLst>
+                                  <p:childTnLst>
+                                    <p:set>
+                                      <p:cBhvr>
+                                        <p:cTn id="18" dur="1" fill="hold">
+                                          <p:stCondLst>
+                                            <p:cond delay="0"/>
+                                          </p:stCondLst>
+                                        </p:cTn>
+                                        <p:tgtEl>
+                                          <p:spTgt spid="3">
+                                            <p:txEl>
+                                              <p:pRg st="3" end="3"/>
+                                            </p:txEl>
+                                          </p:spTgt>
+                                        </p:tgtEl>
+                                        <p:attrNameLst>
+                                          <p:attrName>style.visibility</p:attrName>
+                                        </p:attrNameLst>
+                                      </p:cBhvr>
+                                      <p:to>
+                                        <p:strVal val="visible"/>
+                                      </p:to>
+                                    </p:set>
+                                  </p:childTnLst>
+                                </p:cTn>
+                              </p:par>
+                            </p:childTnLst>
+                          </p:cTn>
+                        </p:par>
+                      </p:childTnLst>
+                    </p:cTn>
+                  </p:par>
+                  <p:par>
+                    <p:cTn id="19" fill="hold">
+                      <p:stCondLst>
+                        <p:cond delay="indefinite"/>
+                      </p:stCondLst>
+                      <p:childTnLst>
+                        <p:par>
+                          <p:cTn id="20" fill="hold">
+                            <p:stCondLst>
+                              <p:cond delay="0"/>
+                            </p:stCondLst>
+                            <p:childTnLst>
+                              <p:par>
+                                <p:cTn id="21" presetID="1" presetClass="entr" presetSubtype="0" fill="hold" nodeType="clickEffect">
+                                  <p:stCondLst>
+                                    <p:cond delay="0"/>
+                                  </p:stCondLst>
+                                  <p:childTnLst>
+                                    <p:set>
+                                      <p:cBhvr>
+                                        <p:cTn id="22" dur="1" fill="hold">
+                                          <p:stCondLst>
+                                            <p:cond delay="0"/>
+                                          </p:stCondLst>
+                                        </p:cTn>
+                                        <p:tgtEl>
+                                          <p:spTgt spid="3">
+                                            <p:txEl>
+                                              <p:pRg st="4" end="4"/>
+                                            </p:txEl>
+                                          </p:spTgt>
+                                        </p:tgtEl>
+                                        <p:attrNameLst>
+                                          <p:attrName>style.visibility</p:attrName>
+                                        </p:attrNameLst>
+                                      </p:cBhvr>
+                                      <p:to>
+                                        <p:strVal val="visible"/>
+                                      </p:to>
+                                    </p:set>
+                                  </p:childTnLst>
+                                </p:cTn>
+                              </p:par>
+                            </p:childTnLst>
+                          </p:cTn>
+                        </p:par>
+                      </p:childTnLst>
+                    </p:cTn>
+                  </p:par>
+                  <p:par>
+                    <p:cTn id="23" fill="hold">
+                      <p:stCondLst>
+                        <p:cond delay="indefinite"/>
+                      </p:stCondLst>
+                      <p:childTnLst>
+                        <p:par>
+                          <p:cTn id="24" fill="hold">
+                            <p:stCondLst>
+                              <p:cond delay="0"/>
+                            </p:stCondLst>
+                            <p:childTnLst>
+                              <p:par>
+                                <p:cTn id="25" presetID="1" presetClass="entr" presetSubtype="0" fill="hold" nodeType="clickEffect">
+                                  <p:stCondLst>
+                                    <p:cond delay="0"/>
+                                  </p:stCondLst>
+                                  <p:childTnLst>
+                                    <p:set>
+                                      <p:cBhvr>
+                                        <p:cTn id="26" dur="1" fill="hold">
+                                          <p:stCondLst>
+                                            <p:cond delay="0"/>
+                                          </p:stCondLst>
+                                        </p:cTn>
+                                        <p:tgtEl>
+                                          <p:spTgt spid="3">
+                                            <p:txEl>
+                                              <p:pRg st="5" end="5"/>
+                                            </p:txEl>
+                                          </p:spTgt>
+                                        </p:tgtEl>
+                                        <p:attrNameLst>
+                                          <p:attrName>style.visibility</p:attrName>
+                                        </p:attrNameLst>
+                                      </p:cBhvr>
+                                      <p:to>
+                                        <p:strVal val="visible"/>
+                                      </p:to>
+                                    </p:set>
+                                  </p:childTnLst>
+                                </p:cTn>
+                              </p:par>
+                            </p:childTnLst>
+                          </p:cTn>
+                        </p:par>
+                      </p:childTnLst>
+                    </p:cTn>
+                  </p:par>
+                  <p:par>
+                    <p:cTn id="27" fill="hold">
+                      <p:stCondLst>
+                        <p:cond delay="indefinite"/>
+                      </p:stCondLst>
+                      <p:childTnLst>
+                        <p:par>
+                          <p:cTn id="28" fill="hold">
+                            <p:stCondLst>
+                              <p:cond delay="0"/>
+                            </p:stCondLst>
+                            <p:childTnLst>
+                              <p:par>
+                                <p:cTn id="29" presetID="1" presetClass="entr" presetSubtype="0" fill="hold" nodeType="clickEffect">
+                                  <p:stCondLst>
+                                    <p:cond delay="0"/>
+                                  </p:stCondLst>
+                                  <p:childTnLst>
+                                    <p:set>
+                                      <p:cBhvr>
+                                        <p:cTn id="30" dur="1" fill="hold">
+                                          <p:stCondLst>
+                                            <p:cond delay="0"/>
+                                          </p:stCondLst>
+                                        </p:cTn>
+                                        <p:tgtEl>
+                                          <p:spTgt spid="3">
+                                            <p:txEl>
+                                              <p:pRg st="6" end="6"/>
+                                            </p:txEl>
+                                          </p:spTgt>
+                                        </p:tgtEl>
+                                        <p:attrNameLst>
+                                          <p:attrName>style.visibility</p:attrName>
+                                        </p:attrNameLst>
+                                      </p:cBhvr>
+                                      <p:to>
+                                        <p:strVal val="visible"/>
+                                      </p:to>
+                                    </p:set>
+                                  </p:childTnLst>
+                                </p:cTn>
+                              </p:par>
+                            </p:childTnLst>
+                          </p:cTn>
+                        </p:par>
+                      </p:childTnLst>
+                    </p:cTn>
+                  </p:par>
+                </p:childTnLst>
+              </p:cTn>
+              <p:prevCondLst>
+                <p:cond evt="onPrev" delay="0">
+                  <p:tgtEl>
+                    <p:sldTgt/>
+                  </p:tgtEl>
+                </p:cond>
+              </p:prevCondLst>
+              <p:nextCondLst>
+                <p:cond evt="onNext" delay="0">
+                  <p:tgtEl>
+                    <p:sldTgt/>
+                  </p:tgtEl>
+                </p:cond>
+              </p:nextCondLst>
+            </p:seq>
+          </p:childTnLst>
+        </p:cTn>
+      </p:par>
+    </p:tnLst>
+  </p:timing>
 </p:sld>
 </file>
 
@@ -3643,7 +4016,7 @@
             <a:pPr lvl="1"/>
             <a:r>
               <a:rPr lang="de-AT" dirty="0"/>
-              <a:t>Erledigt am: vor zwei Wochen oder so keine Ahnung</a:t>
+              <a:t>Erledigt am: Mitte Dezember</a:t>
             </a:r>
           </a:p>
         </p:txBody>
@@ -4694,27 +5067,6 @@
 </file>
 
 <file path=customXml/item1.xml><?xml version="1.0" encoding="utf-8"?>
-<p:properties xmlns:p="http://schemas.microsoft.com/office/2006/metadata/properties" xmlns:xsi="http://www.w3.org/2001/XMLSchema-instance" xmlns:pc="http://schemas.microsoft.com/office/infopath/2007/PartnerControls">
-  <documentManagement>
-    <TaxCatchAll xmlns="9b76863f-aa98-40f7-b60a-ba51bf697f26" xsi:nil="true"/>
-    <ReferenceId xmlns="8abdeb5f-b627-42e6-be3f-d55dacb59b0e" xsi:nil="true"/>
-    <lcf76f155ced4ddcb4097134ff3c332f xmlns="8abdeb5f-b627-42e6-be3f-d55dacb59b0e">
-      <Terms xmlns="http://schemas.microsoft.com/office/infopath/2007/PartnerControls"/>
-    </lcf76f155ced4ddcb4097134ff3c332f>
-  </documentManagement>
-</p:properties>
-</file>
-
-<file path=customXml/item2.xml><?xml version="1.0" encoding="utf-8"?>
-<?mso-contentType ?>
-<FormTemplates xmlns="http://schemas.microsoft.com/sharepoint/v3/contenttype/forms">
-  <Display>DocumentLibraryForm</Display>
-  <Edit>DocumentLibraryForm</Edit>
-  <New>DocumentLibraryForm</New>
-</FormTemplates>
-</file>
-
-<file path=customXml/item3.xml><?xml version="1.0" encoding="utf-8"?>
 <ct:contentTypeSchema xmlns:ct="http://schemas.microsoft.com/office/2006/metadata/contentType" xmlns:ma="http://schemas.microsoft.com/office/2006/metadata/properties/metaAttributes" ct:_="" ma:_="" ma:contentTypeName="Document" ma:contentTypeID="0x010100267B4C5797E4104190F1D8FB3DD6FCB2" ma:contentTypeVersion="13" ma:contentTypeDescription="Create a new document." ma:contentTypeScope="" ma:versionID="404f8e58e66352e8ea30c505fe8cf11a">
   <xsd:schema xmlns:xsd="http://www.w3.org/2001/XMLSchema" xmlns:xs="http://www.w3.org/2001/XMLSchema" xmlns:p="http://schemas.microsoft.com/office/2006/metadata/properties" xmlns:ns2="8abdeb5f-b627-42e6-be3f-d55dacb59b0e" xmlns:ns3="9b76863f-aa98-40f7-b60a-ba51bf697f26" targetNamespace="http://schemas.microsoft.com/office/2006/metadata/properties" ma:root="true" ma:fieldsID="ec4f194cea67497b507e2e2100c530c7" ns2:_="" ns3:_="">
     <xsd:import namespace="8abdeb5f-b627-42e6-be3f-d55dacb59b0e"/>
@@ -4921,26 +5273,28 @@
 </ct:contentTypeSchema>
 </file>
 
-<file path=customXml/itemProps1.xml><?xml version="1.0" encoding="utf-8"?>
-<ds:datastoreItem xmlns:ds="http://schemas.openxmlformats.org/officeDocument/2006/customXml" ds:itemID="{B1836D6C-91D7-49BD-8D59-4903C273BDB3}">
-  <ds:schemaRefs>
-    <ds:schemaRef ds:uri="http://schemas.microsoft.com/office/2006/metadata/properties"/>
-    <ds:schemaRef ds:uri="http://schemas.microsoft.com/office/infopath/2007/PartnerControls"/>
-    <ds:schemaRef ds:uri="9b76863f-aa98-40f7-b60a-ba51bf697f26"/>
-    <ds:schemaRef ds:uri="8abdeb5f-b627-42e6-be3f-d55dacb59b0e"/>
-  </ds:schemaRefs>
-</ds:datastoreItem>
+<file path=customXml/item2.xml><?xml version="1.0" encoding="utf-8"?>
+<p:properties xmlns:p="http://schemas.microsoft.com/office/2006/metadata/properties" xmlns:xsi="http://www.w3.org/2001/XMLSchema-instance" xmlns:pc="http://schemas.microsoft.com/office/infopath/2007/PartnerControls">
+  <documentManagement>
+    <TaxCatchAll xmlns="9b76863f-aa98-40f7-b60a-ba51bf697f26" xsi:nil="true"/>
+    <ReferenceId xmlns="8abdeb5f-b627-42e6-be3f-d55dacb59b0e" xsi:nil="true"/>
+    <lcf76f155ced4ddcb4097134ff3c332f xmlns="8abdeb5f-b627-42e6-be3f-d55dacb59b0e">
+      <Terms xmlns="http://schemas.microsoft.com/office/infopath/2007/PartnerControls"/>
+    </lcf76f155ced4ddcb4097134ff3c332f>
+  </documentManagement>
+</p:properties>
 </file>
 
-<file path=customXml/itemProps2.xml><?xml version="1.0" encoding="utf-8"?>
-<ds:datastoreItem xmlns:ds="http://schemas.openxmlformats.org/officeDocument/2006/customXml" ds:itemID="{A8A25325-41D7-4641-A379-082CF64D479D}">
-  <ds:schemaRefs>
-    <ds:schemaRef ds:uri="http://schemas.microsoft.com/sharepoint/v3/contenttype/forms"/>
-  </ds:schemaRefs>
-</ds:datastoreItem>
+<file path=customXml/item3.xml><?xml version="1.0" encoding="utf-8"?>
+<?mso-contentType ?>
+<FormTemplates xmlns="http://schemas.microsoft.com/sharepoint/v3/contenttype/forms">
+  <Display>DocumentLibraryForm</Display>
+  <Edit>DocumentLibraryForm</Edit>
+  <New>DocumentLibraryForm</New>
+</FormTemplates>
 </file>
 
-<file path=customXml/itemProps3.xml><?xml version="1.0" encoding="utf-8"?>
+<file path=customXml/itemProps1.xml><?xml version="1.0" encoding="utf-8"?>
 <ds:datastoreItem xmlns:ds="http://schemas.openxmlformats.org/officeDocument/2006/customXml" ds:itemID="{66263E9F-5866-46A8-AFD4-F30BCCA8063D}">
   <ds:schemaRefs>
     <ds:schemaRef ds:uri="http://schemas.microsoft.com/office/2006/metadata/contentType"/>
@@ -4957,4 +5311,23 @@
     <ds:schemaRef ds:uri="http://schemas.microsoft.com/internal/obd"/>
   </ds:schemaRefs>
 </ds:datastoreItem>
+</file>
+
+<file path=customXml/itemProps2.xml><?xml version="1.0" encoding="utf-8"?>
+<ds:datastoreItem xmlns:ds="http://schemas.openxmlformats.org/officeDocument/2006/customXml" ds:itemID="{B1836D6C-91D7-49BD-8D59-4903C273BDB3}">
+  <ds:schemaRefs>
+    <ds:schemaRef ds:uri="http://schemas.microsoft.com/office/2006/metadata/properties"/>
+    <ds:schemaRef ds:uri="http://schemas.microsoft.com/office/infopath/2007/PartnerControls"/>
+    <ds:schemaRef ds:uri="9b76863f-aa98-40f7-b60a-ba51bf697f26"/>
+    <ds:schemaRef ds:uri="8abdeb5f-b627-42e6-be3f-d55dacb59b0e"/>
+  </ds:schemaRefs>
+</ds:datastoreItem>
+</file>
+
+<file path=customXml/itemProps3.xml><?xml version="1.0" encoding="utf-8"?>
+<ds:datastoreItem xmlns:ds="http://schemas.openxmlformats.org/officeDocument/2006/customXml" ds:itemID="{A8A25325-41D7-4641-A379-082CF64D479D}">
+  <ds:schemaRefs>
+    <ds:schemaRef ds:uri="http://schemas.microsoft.com/sharepoint/v3/contenttype/forms"/>
+  </ds:schemaRefs>
+</ds:datastoreItem>
 </file>